--- a/Aula 3/Aula 03 - Estrutura Condicional.pptx
+++ b/Aula 3/Aula 03 - Estrutura Condicional.pptx
@@ -3334,7 +3334,7 @@
         </p:nvSpPr>
         <p:spPr>
           <a:xfrm flipH="false" flipV="false" rot="0">
-            <a:off x="1900406" y="5044457"/>
+            <a:off x="2010859" y="5044457"/>
             <a:ext cx="7993098" cy="5242543"/>
           </a:xfrm>
           <a:custGeom>
@@ -3349,10 +3349,10 @@
                   <a:pt x="0" y="0"/>
                 </a:moveTo>
                 <a:lnTo>
-                  <a:pt x="7993098" y="0"/>
+                  <a:pt x="7993099" y="0"/>
                 </a:lnTo>
                 <a:lnTo>
-                  <a:pt x="7993098" y="5242543"/>
+                  <a:pt x="7993099" y="5242543"/>
                 </a:lnTo>
                 <a:lnTo>
                   <a:pt x="0" y="5242543"/>
@@ -7258,7 +7258,7 @@
 </file>
 
 <file path=ppt/slides/slide20.xml><?xml version="1.0" encoding="utf-8"?>
-<p:sld xmlns:p="http://schemas.openxmlformats.org/presentationml/2006/main" xmlns:a="http://schemas.openxmlformats.org/drawingml/2006/main">
+<p:sld xmlns:p="http://schemas.openxmlformats.org/presentationml/2006/main" xmlns:a="http://schemas.openxmlformats.org/drawingml/2006/main" xmlns:r="http://schemas.openxmlformats.org/officeDocument/2006/relationships">
   <p:cSld>
     <p:bg>
       <p:bgPr>
@@ -7289,8 +7289,8 @@
         </p:nvSpPr>
         <p:spPr>
           <a:xfrm rot="0">
-            <a:off x="2830918" y="4351570"/>
-            <a:ext cx="12626163" cy="1421934"/>
+            <a:off x="4406479" y="4204449"/>
+            <a:ext cx="7561613" cy="1698626"/>
           </a:xfrm>
           <a:prstGeom prst="rect">
             <a:avLst/>
@@ -7304,14 +7304,11 @@
           <a:p>
             <a:pPr algn="ctr">
               <a:lnSpc>
-                <a:spcPts val="11612"/>
+                <a:spcPts val="13999"/>
               </a:lnSpc>
-              <a:spcBef>
-                <a:spcPct val="0"/>
-              </a:spcBef>
             </a:pPr>
             <a:r>
-              <a:rPr lang="en-US" sz="8294">
+              <a:rPr lang="en-US" sz="9999">
                 <a:solidFill>
                   <a:srgbClr val="FFFFFF"/>
                 </a:solidFill>
@@ -7324,6 +7321,58 @@
             </a:r>
           </a:p>
         </p:txBody>
+      </p:sp>
+      <p:sp>
+        <p:nvSpPr>
+          <p:cNvPr name="Freeform 3" id="3"/>
+          <p:cNvSpPr/>
+          <p:nvPr/>
+        </p:nvSpPr>
+        <p:spPr>
+          <a:xfrm flipH="false" flipV="false" rot="0">
+            <a:off x="12354040" y="4383926"/>
+            <a:ext cx="1527480" cy="1519148"/>
+          </a:xfrm>
+          <a:custGeom>
+            <a:avLst/>
+            <a:gdLst/>
+            <a:ahLst/>
+            <a:cxnLst/>
+            <a:rect r="r" b="b" t="t" l="l"/>
+            <a:pathLst>
+              <a:path h="1519148" w="1527480">
+                <a:moveTo>
+                  <a:pt x="0" y="0"/>
+                </a:moveTo>
+                <a:lnTo>
+                  <a:pt x="1527481" y="0"/>
+                </a:lnTo>
+                <a:lnTo>
+                  <a:pt x="1527481" y="1519148"/>
+                </a:lnTo>
+                <a:lnTo>
+                  <a:pt x="0" y="1519148"/>
+                </a:lnTo>
+                <a:lnTo>
+                  <a:pt x="0" y="0"/>
+                </a:lnTo>
+                <a:close/>
+              </a:path>
+            </a:pathLst>
+          </a:custGeom>
+          <a:blipFill>
+            <a:blip r:embed="rId2">
+              <a:extLst>
+                <a:ext uri="{96DAC541-7B7A-43D3-8B79-37D633B846F1}">
+                  <asvg:svgBlip xmlns:asvg="http://schemas.microsoft.com/office/drawing/2016/SVG/main" r:embed="rId3"/>
+                </a:ext>
+              </a:extLst>
+            </a:blip>
+            <a:stretch>
+              <a:fillRect l="0" t="0" r="0" b="0"/>
+            </a:stretch>
+          </a:blipFill>
+        </p:spPr>
       </p:sp>
     </p:spTree>
   </p:cSld>
